--- a/presentation.pptx
+++ b/presentation.pptx
@@ -12653,19 +12653,7 @@
                 <a:cs typeface="Calibri" panose="020F0502020204030204"/>
                 <a:sym typeface="Calibri" panose="020F0502020204030204"/>
               </a:rPr>
-              <a:t>‘</a:t>
-            </a:r>
-            <a:r>
-              <a:rPr lang="en-US" sz="2800" b="1">
-                <a:solidFill>
-                  <a:srgbClr val="01FF2F"/>
-                </a:solidFill>
-                <a:latin typeface="Calibri" panose="020F0502020204030204"/>
-                <a:ea typeface="Calibri" panose="020F0502020204030204"/>
-                <a:cs typeface="Calibri" panose="020F0502020204030204"/>
-                <a:sym typeface="Calibri" panose="020F0502020204030204"/>
-              </a:rPr>
-              <a:t>Сервис по устранению и изменению некорректных адресов из городских баз данных’</a:t>
+              <a:t>‘Сервис по устранению и изменению некорректных адресов из городских баз данных’</a:t>
             </a:r>
             <a:endParaRPr sz="2800">
               <a:latin typeface="Calibri" panose="020F0502020204030204"/>
@@ -14133,6 +14121,32 @@
           <a:xfrm>
             <a:off x="1724025" y="5111750"/>
             <a:ext cx="2787015" cy="740410"/>
+          </a:xfrm>
+          <a:prstGeom prst="rect">
+            <a:avLst/>
+          </a:prstGeom>
+          <a:noFill/>
+          <a:ln w="9525">
+            <a:noFill/>
+          </a:ln>
+        </p:spPr>
+      </p:pic>
+      <p:pic>
+        <p:nvPicPr>
+          <p:cNvPr id="1" name="Picture 0"/>
+          <p:cNvPicPr/>
+          <p:nvPr/>
+        </p:nvPicPr>
+        <p:blipFill>
+          <a:blip r:embed="rId9"/>
+          <a:stretch>
+            <a:fillRect/>
+          </a:stretch>
+        </p:blipFill>
+        <p:spPr>
+          <a:xfrm>
+            <a:off x="7592695" y="801370"/>
+            <a:ext cx="2819400" cy="2819400"/>
           </a:xfrm>
           <a:prstGeom prst="rect">
             <a:avLst/>
@@ -18948,7 +18962,7 @@
         <p:spPr>
           <a:xfrm>
             <a:off x="426720" y="865505"/>
-            <a:ext cx="11257915" cy="4688840"/>
+            <a:ext cx="11257915" cy="4135120"/>
           </a:xfrm>
           <a:prstGeom prst="rect">
             <a:avLst/>
@@ -18977,15 +18991,15 @@
               <a:buNone/>
             </a:pPr>
             <a:r>
-              <a:rPr lang="en-US" sz="3200"/>
+              <a:rPr lang="en-US" sz="2800"/>
               <a:t>01</a:t>
             </a:r>
             <a:r>
-              <a:rPr lang="ru-RU" altLang="en-US" sz="3200"/>
+              <a:rPr lang="ru-RU" altLang="en-US" sz="2800"/>
               <a:t> </a:t>
             </a:r>
             <a:r>
-              <a:rPr lang="ru-RU" altLang="en-US" sz="3200" b="0">
+              <a:rPr lang="ru-RU" altLang="en-US" sz="2800" b="0">
                 <a:solidFill>
                   <a:schemeClr val="tx1"/>
                 </a:solidFill>
@@ -18993,14 +19007,14 @@
               <a:t>Вывод ТОП-10 запросов</a:t>
             </a:r>
             <a:br>
-              <a:rPr lang="ru-RU" altLang="en-US" sz="3200"/>
+              <a:rPr lang="ru-RU" altLang="en-US" sz="2800"/>
             </a:br>
             <a:r>
-              <a:rPr lang="ru-RU" altLang="en-US" sz="3200"/>
+              <a:rPr lang="ru-RU" altLang="en-US" sz="2800"/>
               <a:t>02 </a:t>
             </a:r>
             <a:r>
-              <a:rPr lang="ru-RU" altLang="en-US" sz="3200" b="0">
+              <a:rPr lang="ru-RU" altLang="en-US" sz="2800" b="0">
                 <a:solidFill>
                   <a:schemeClr val="tx1"/>
                 </a:solidFill>
@@ -19008,20 +19022,42 @@
               <a:t>Вывод ТОП-10 предсказанных адресов</a:t>
             </a:r>
             <a:br>
-              <a:rPr lang="ru-RU" altLang="en-US" sz="3200" b="0">
+              <a:rPr lang="ru-RU" altLang="en-US" sz="2800" b="0">
                 <a:solidFill>
                   <a:schemeClr val="tx1"/>
                 </a:solidFill>
               </a:rPr>
             </a:br>
             <a:r>
-              <a:rPr lang="ru-RU" altLang="en-US" sz="3200">
+              <a:rPr lang="ru-RU" altLang="en-US" sz="2800">
                 <a:sym typeface="+mn-ea"/>
               </a:rPr>
               <a:t>03 </a:t>
             </a:r>
             <a:r>
-              <a:rPr lang="ru-RU" altLang="en-US" sz="3200" b="0">
+              <a:rPr lang="ru-RU" altLang="en-US" sz="2800" b="0">
+                <a:solidFill>
+                  <a:schemeClr val="tx1"/>
+                </a:solidFill>
+                <a:sym typeface="+mn-ea"/>
+              </a:rPr>
+              <a:t>Сохранение предсказанных адресов в файл</a:t>
+            </a:r>
+            <a:br>
+              <a:rPr lang="ru-RU" altLang="en-US" sz="2800" b="0">
+                <a:solidFill>
+                  <a:schemeClr val="tx1"/>
+                </a:solidFill>
+              </a:rPr>
+            </a:br>
+            <a:r>
+              <a:rPr lang="ru-RU" altLang="en-US" sz="2800">
+                <a:sym typeface="+mn-ea"/>
+              </a:rPr>
+              <a:t>03 </a:t>
+            </a:r>
+            <a:r>
+              <a:rPr lang="ru-RU" altLang="en-US" sz="2800" b="0">
                 <a:solidFill>
                   <a:schemeClr val="tx1"/>
                 </a:solidFill>
@@ -19030,7 +19066,7 @@
               <a:t>Интеграция пользовательского интерфейса для доступа к базе данных</a:t>
             </a:r>
             <a:br>
-              <a:rPr lang="ru-RU" altLang="en-US" sz="3200" b="0">
+              <a:rPr lang="ru-RU" altLang="en-US" sz="2800" b="0">
                 <a:solidFill>
                   <a:schemeClr val="tx1"/>
                 </a:solidFill>
@@ -19038,13 +19074,13 @@
               </a:rPr>
             </a:br>
             <a:r>
-              <a:rPr lang="ru-RU" altLang="en-US" sz="3200">
+              <a:rPr lang="ru-RU" altLang="en-US" sz="2800">
                 <a:sym typeface="+mn-ea"/>
               </a:rPr>
               <a:t>04 </a:t>
             </a:r>
             <a:r>
-              <a:rPr lang="ru-RU" altLang="en-US" sz="3200" b="0">
+              <a:rPr lang="ru-RU" altLang="en-US" sz="2800" b="0">
                 <a:solidFill>
                   <a:schemeClr val="tx1"/>
                 </a:solidFill>
@@ -19053,7 +19089,7 @@
               <a:t>Интеграция пользовательского интерфейса для доступа к базе данных</a:t>
             </a:r>
             <a:br>
-              <a:rPr lang="ru-RU" altLang="en-US" sz="3200" b="0">
+              <a:rPr lang="ru-RU" altLang="en-US" sz="2800" b="0">
                 <a:solidFill>
                   <a:schemeClr val="tx1"/>
                 </a:solidFill>
@@ -19061,13 +19097,13 @@
               </a:rPr>
             </a:br>
             <a:r>
-              <a:rPr lang="ru-RU" altLang="en-US" sz="3200">
+              <a:rPr lang="ru-RU" altLang="en-US" sz="2800">
                 <a:sym typeface="+mn-ea"/>
               </a:rPr>
               <a:t>05 </a:t>
             </a:r>
             <a:r>
-              <a:rPr lang="ru-RU" altLang="en-US" sz="3200" b="0">
+              <a:rPr lang="ru-RU" altLang="en-US" sz="2800" b="0">
                 <a:solidFill>
                   <a:schemeClr val="tx1"/>
                 </a:solidFill>
@@ -19075,7 +19111,30 @@
               </a:rPr>
               <a:t>Дообучение предобученной модели трансформеров — библиотека от Hugging Face, с русскоязычной моделью ruGPT3 от Сбера.</a:t>
             </a:r>
-            <a:endParaRPr lang="ru-RU" altLang="en-US" sz="3200" b="0">
+            <a:br>
+              <a:rPr lang="ru-RU" altLang="en-US" sz="2800" b="0">
+                <a:solidFill>
+                  <a:schemeClr val="tx1"/>
+                </a:solidFill>
+                <a:sym typeface="+mn-ea"/>
+              </a:rPr>
+            </a:br>
+            <a:r>
+              <a:rPr lang="ru-RU" altLang="en-US" sz="2800">
+                <a:sym typeface="+mn-ea"/>
+              </a:rPr>
+              <a:t>06 </a:t>
+            </a:r>
+            <a:r>
+              <a:rPr lang="ru-RU" altLang="en-US" sz="2800" b="0">
+                <a:solidFill>
+                  <a:schemeClr val="tx1"/>
+                </a:solidFill>
+                <a:sym typeface="+mn-ea"/>
+              </a:rPr>
+              <a:t>Использование в реализации послания правительства по сохранению русского языка</a:t>
+            </a:r>
+            <a:endParaRPr lang="ru-RU" altLang="en-US" sz="2800" b="0">
               <a:solidFill>
                 <a:schemeClr val="tx1"/>
               </a:solidFill>

--- a/presentation.pptx
+++ b/presentation.pptx
@@ -14133,7 +14133,7 @@
       </p:pic>
       <p:pic>
         <p:nvPicPr>
-          <p:cNvPr id="1" name="Picture 0"/>
+          <p:cNvPr id="2" name="Picture 1"/>
           <p:cNvPicPr/>
           <p:nvPr/>
         </p:nvPicPr>
@@ -18962,7 +18962,7 @@
         <p:spPr>
           <a:xfrm>
             <a:off x="426720" y="865505"/>
-            <a:ext cx="11257915" cy="4135120"/>
+            <a:ext cx="11257915" cy="3703955"/>
           </a:xfrm>
           <a:prstGeom prst="rect">
             <a:avLst/>
@@ -19054,7 +19054,19 @@
               <a:rPr lang="ru-RU" altLang="en-US" sz="2800">
                 <a:sym typeface="+mn-ea"/>
               </a:rPr>
-              <a:t>03 </a:t>
+              <a:t>0</a:t>
+            </a:r>
+            <a:r>
+              <a:rPr lang="en-US" altLang="ru-RU" sz="2800">
+                <a:sym typeface="+mn-ea"/>
+              </a:rPr>
+              <a:t>4</a:t>
+            </a:r>
+            <a:r>
+              <a:rPr lang="ru-RU" altLang="en-US" sz="2800">
+                <a:sym typeface="+mn-ea"/>
+              </a:rPr>
+              <a:t> </a:t>
             </a:r>
             <a:r>
               <a:rPr lang="ru-RU" altLang="en-US" sz="2800" b="0">
@@ -19077,7 +19089,19 @@
               <a:rPr lang="ru-RU" altLang="en-US" sz="2800">
                 <a:sym typeface="+mn-ea"/>
               </a:rPr>
-              <a:t>04 </a:t>
+              <a:t>0</a:t>
+            </a:r>
+            <a:r>
+              <a:rPr lang="en-US" altLang="ru-RU" sz="2800">
+                <a:sym typeface="+mn-ea"/>
+              </a:rPr>
+              <a:t>5</a:t>
+            </a:r>
+            <a:r>
+              <a:rPr lang="ru-RU" altLang="en-US" sz="2800">
+                <a:sym typeface="+mn-ea"/>
+              </a:rPr>
+              <a:t> </a:t>
             </a:r>
             <a:r>
               <a:rPr lang="ru-RU" altLang="en-US" sz="2800" b="0">
@@ -19086,7 +19110,7 @@
                 </a:solidFill>
                 <a:sym typeface="+mn-ea"/>
               </a:rPr>
-              <a:t>Интеграция пользовательского интерфейса для доступа к базе данных</a:t>
+              <a:t>Дообучение предобученной модели трансформеров — библиотека от Hugging Face, с русскоязычной моделью ruGPT3 от Сбера.</a:t>
             </a:r>
             <a:br>
               <a:rPr lang="ru-RU" altLang="en-US" sz="2800" b="0">
@@ -19100,30 +19124,19 @@
               <a:rPr lang="ru-RU" altLang="en-US" sz="2800">
                 <a:sym typeface="+mn-ea"/>
               </a:rPr>
-              <a:t>05 </a:t>
+              <a:t>0</a:t>
             </a:r>
             <a:r>
-              <a:rPr lang="ru-RU" altLang="en-US" sz="2800" b="0">
-                <a:solidFill>
-                  <a:schemeClr val="tx1"/>
-                </a:solidFill>
+              <a:rPr lang="en-US" altLang="ru-RU" sz="2800">
                 <a:sym typeface="+mn-ea"/>
               </a:rPr>
-              <a:t>Дообучение предобученной модели трансформеров — библиотека от Hugging Face, с русскоязычной моделью ruGPT3 от Сбера.</a:t>
+              <a:t>6</a:t>
             </a:r>
-            <a:br>
-              <a:rPr lang="ru-RU" altLang="en-US" sz="2800" b="0">
-                <a:solidFill>
-                  <a:schemeClr val="tx1"/>
-                </a:solidFill>
-                <a:sym typeface="+mn-ea"/>
-              </a:rPr>
-            </a:br>
             <a:r>
               <a:rPr lang="ru-RU" altLang="en-US" sz="2800">
                 <a:sym typeface="+mn-ea"/>
               </a:rPr>
-              <a:t>06 </a:t>
+              <a:t> </a:t>
             </a:r>
             <a:r>
               <a:rPr lang="ru-RU" altLang="en-US" sz="2800" b="0">
